--- a/Third_day/Dia-3.pptx
+++ b/Third_day/Dia-3.pptx
@@ -20990,9 +20990,10 @@
               <a:t>Dia</a:t>
             </a:r>
             <a:r>
-              <a:rPr lang="en-US" dirty="0"/>
-              <a:t> 1</a:t>
+              <a:rPr lang="en-US"/>
+              <a:t> 3</a:t>
             </a:r>
+            <a:endParaRPr lang="en-US" dirty="0"/>
           </a:p>
         </p:txBody>
       </p:sp>
